--- a/(2020.09.01) 강의소개.pptx
+++ b/(2020.09.01) 강의소개.pptx
@@ -109,6 +109,22 @@
       </a:defRPr>
     </a:lvl9pPr>
   </p:defaultTextStyle>
+  <p:extLst>
+    <p:ext uri="{EFAFB233-063F-42B5-8137-9DF3F51BA10A}">
+      <p15:sldGuideLst xmlns:p15="http://schemas.microsoft.com/office/powerpoint/2012/main">
+        <p15:guide id="1" orient="horz" pos="2160">
+          <p15:clr>
+            <a:srgbClr val="A4A3A4"/>
+          </p15:clr>
+        </p15:guide>
+        <p15:guide id="2" pos="2880">
+          <p15:clr>
+            <a:srgbClr val="A4A3A4"/>
+          </p15:clr>
+        </p15:guide>
+      </p15:sldGuideLst>
+    </p:ext>
+  </p:extLst>
 </p:presentation>
 </file>
 
@@ -293,7 +309,7 @@
           <a:p>
             <a:fld id="{63A37E20-A2D4-41BA-9D60-0F1E5DED0FDB}" type="datetimeFigureOut">
               <a:rPr lang="ko-KR" altLang="en-US" smtClean="0"/>
-              <a:t>2020-08-30</a:t>
+              <a:t>2020-09-01</a:t>
             </a:fld>
             <a:endParaRPr lang="ko-KR" altLang="en-US"/>
           </a:p>
@@ -463,7 +479,7 @@
           <a:p>
             <a:fld id="{63A37E20-A2D4-41BA-9D60-0F1E5DED0FDB}" type="datetimeFigureOut">
               <a:rPr lang="ko-KR" altLang="en-US" smtClean="0"/>
-              <a:t>2020-08-30</a:t>
+              <a:t>2020-09-01</a:t>
             </a:fld>
             <a:endParaRPr lang="ko-KR" altLang="en-US"/>
           </a:p>
@@ -643,7 +659,7 @@
           <a:p>
             <a:fld id="{63A37E20-A2D4-41BA-9D60-0F1E5DED0FDB}" type="datetimeFigureOut">
               <a:rPr lang="ko-KR" altLang="en-US" smtClean="0"/>
-              <a:t>2020-08-30</a:t>
+              <a:t>2020-09-01</a:t>
             </a:fld>
             <a:endParaRPr lang="ko-KR" altLang="en-US"/>
           </a:p>
@@ -813,7 +829,7 @@
           <a:p>
             <a:fld id="{63A37E20-A2D4-41BA-9D60-0F1E5DED0FDB}" type="datetimeFigureOut">
               <a:rPr lang="ko-KR" altLang="en-US" smtClean="0"/>
-              <a:t>2020-08-30</a:t>
+              <a:t>2020-09-01</a:t>
             </a:fld>
             <a:endParaRPr lang="ko-KR" altLang="en-US"/>
           </a:p>
@@ -1059,7 +1075,7 @@
           <a:p>
             <a:fld id="{63A37E20-A2D4-41BA-9D60-0F1E5DED0FDB}" type="datetimeFigureOut">
               <a:rPr lang="ko-KR" altLang="en-US" smtClean="0"/>
-              <a:t>2020-08-30</a:t>
+              <a:t>2020-09-01</a:t>
             </a:fld>
             <a:endParaRPr lang="ko-KR" altLang="en-US"/>
           </a:p>
@@ -1347,7 +1363,7 @@
           <a:p>
             <a:fld id="{63A37E20-A2D4-41BA-9D60-0F1E5DED0FDB}" type="datetimeFigureOut">
               <a:rPr lang="ko-KR" altLang="en-US" smtClean="0"/>
-              <a:t>2020-08-30</a:t>
+              <a:t>2020-09-01</a:t>
             </a:fld>
             <a:endParaRPr lang="ko-KR" altLang="en-US"/>
           </a:p>
@@ -1769,7 +1785,7 @@
           <a:p>
             <a:fld id="{63A37E20-A2D4-41BA-9D60-0F1E5DED0FDB}" type="datetimeFigureOut">
               <a:rPr lang="ko-KR" altLang="en-US" smtClean="0"/>
-              <a:t>2020-08-30</a:t>
+              <a:t>2020-09-01</a:t>
             </a:fld>
             <a:endParaRPr lang="ko-KR" altLang="en-US"/>
           </a:p>
@@ -1887,7 +1903,7 @@
           <a:p>
             <a:fld id="{63A37E20-A2D4-41BA-9D60-0F1E5DED0FDB}" type="datetimeFigureOut">
               <a:rPr lang="ko-KR" altLang="en-US" smtClean="0"/>
-              <a:t>2020-08-30</a:t>
+              <a:t>2020-09-01</a:t>
             </a:fld>
             <a:endParaRPr lang="ko-KR" altLang="en-US"/>
           </a:p>
@@ -1982,7 +1998,7 @@
           <a:p>
             <a:fld id="{63A37E20-A2D4-41BA-9D60-0F1E5DED0FDB}" type="datetimeFigureOut">
               <a:rPr lang="ko-KR" altLang="en-US" smtClean="0"/>
-              <a:t>2020-08-30</a:t>
+              <a:t>2020-09-01</a:t>
             </a:fld>
             <a:endParaRPr lang="ko-KR" altLang="en-US"/>
           </a:p>
@@ -2259,7 +2275,7 @@
           <a:p>
             <a:fld id="{63A37E20-A2D4-41BA-9D60-0F1E5DED0FDB}" type="datetimeFigureOut">
               <a:rPr lang="ko-KR" altLang="en-US" smtClean="0"/>
-              <a:t>2020-08-30</a:t>
+              <a:t>2020-09-01</a:t>
             </a:fld>
             <a:endParaRPr lang="ko-KR" altLang="en-US"/>
           </a:p>
@@ -2512,7 +2528,7 @@
           <a:p>
             <a:fld id="{63A37E20-A2D4-41BA-9D60-0F1E5DED0FDB}" type="datetimeFigureOut">
               <a:rPr lang="ko-KR" altLang="en-US" smtClean="0"/>
-              <a:t>2020-08-30</a:t>
+              <a:t>2020-09-01</a:t>
             </a:fld>
             <a:endParaRPr lang="ko-KR" altLang="en-US"/>
           </a:p>
@@ -2725,7 +2741,7 @@
           <a:p>
             <a:fld id="{63A37E20-A2D4-41BA-9D60-0F1E5DED0FDB}" type="datetimeFigureOut">
               <a:rPr lang="ko-KR" altLang="en-US" smtClean="0"/>
-              <a:t>2020-08-30</a:t>
+              <a:t>2020-09-01</a:t>
             </a:fld>
             <a:endParaRPr lang="ko-KR" altLang="en-US"/>
           </a:p>
@@ -3262,13 +3278,8 @@
           <a:p>
             <a:r>
               <a:rPr lang="en-US" altLang="ko-KR" sz="2800" smtClean="0"/>
-              <a:t>2020. </a:t>
-            </a:r>
-            <a:r>
-              <a:rPr lang="en-US" altLang="ko-KR" sz="2800" smtClean="0"/>
-              <a:t>9. 1</a:t>
-            </a:r>
-            <a:endParaRPr lang="en-US" altLang="ko-KR" sz="2800" smtClean="0"/>
+              <a:t>2020. 9. 1</a:t>
+            </a:r>
           </a:p>
           <a:p>
             <a:r>
@@ -3668,7 +3679,6 @@
               <a:rPr lang="en-US" altLang="ko-KR" sz="1400" smtClean="0"/>
               <a:t>)</a:t>
             </a:r>
-            <a:endParaRPr lang="en-US" altLang="ko-KR" sz="1400" smtClean="0"/>
           </a:p>
           <a:p>
             <a:pPr lvl="1"/>
@@ -3706,11 +3716,7 @@
             <a:pPr lvl="1"/>
             <a:r>
               <a:rPr lang="en-US" altLang="ko-KR" sz="1400" smtClean="0"/>
-              <a:t>http://</a:t>
-            </a:r>
-            <a:r>
-              <a:rPr lang="en-US" altLang="ko-KR" sz="1400" smtClean="0"/>
-              <a:t>github.com/gubosd/lecture14</a:t>
+              <a:t>http://github.com/gubosd/lecture14</a:t>
             </a:r>
             <a:endParaRPr lang="ko-KR" altLang="en-US" sz="1400"/>
           </a:p>
@@ -3822,11 +3828,7 @@
             </a:r>
             <a:r>
               <a:rPr lang="en-US" altLang="ko-KR" sz="2000" smtClean="0"/>
-              <a:t>: </a:t>
-            </a:r>
-            <a:r>
-              <a:rPr lang="en-US" altLang="ko-KR" sz="2000" smtClean="0"/>
-              <a:t>2020.9.1~</a:t>
+              <a:t>: 2020.9.1~</a:t>
             </a:r>
             <a:r>
               <a:rPr lang="ko-KR" altLang="en-US" sz="2000" smtClean="0"/>
@@ -3853,11 +3855,7 @@
             </a:r>
             <a:r>
               <a:rPr lang="en-US" altLang="ko-KR" sz="2000" smtClean="0"/>
-              <a:t>: </a:t>
-            </a:r>
-            <a:r>
-              <a:rPr lang="en-US" altLang="ko-KR" sz="2000" smtClean="0"/>
-              <a:t>140</a:t>
+              <a:t>: 140</a:t>
             </a:r>
             <a:r>
               <a:rPr lang="ko-KR" altLang="en-US" sz="2000" smtClean="0"/>
@@ -4048,8 +4046,129 @@
           <a:p>
             <a:pPr fontAlgn="base"/>
             <a:r>
-              <a:rPr lang="ko-KR" altLang="en-US" sz="2000" smtClean="0"/>
-              <a:t>파이썬 기초 </a:t>
+              <a:rPr lang="ko-KR" altLang="en-US" sz="2000" dirty="0" err="1" smtClean="0"/>
+              <a:t>파이썬</a:t>
+            </a:r>
+            <a:r>
+              <a:rPr lang="ko-KR" altLang="en-US" sz="2000" dirty="0" smtClean="0"/>
+              <a:t> 기초 </a:t>
+            </a:r>
+            <a:r>
+              <a:rPr lang="en-US" altLang="ko-KR" sz="2000" dirty="0" smtClean="0"/>
+              <a:t>(1</a:t>
+            </a:r>
+            <a:r>
+              <a:rPr lang="ko-KR" altLang="en-US" sz="2000" dirty="0" smtClean="0"/>
+              <a:t>주</a:t>
+            </a:r>
+            <a:r>
+              <a:rPr lang="en-US" altLang="ko-KR" sz="2000" dirty="0" smtClean="0"/>
+              <a:t>)</a:t>
+            </a:r>
+          </a:p>
+          <a:p>
+            <a:pPr lvl="1" fontAlgn="base"/>
+            <a:r>
+              <a:rPr lang="ko-KR" altLang="en-US" sz="1600" dirty="0" err="1" smtClean="0"/>
+              <a:t>파이썬</a:t>
+            </a:r>
+            <a:r>
+              <a:rPr lang="ko-KR" altLang="en-US" sz="1600" dirty="0" smtClean="0"/>
+              <a:t> 문법을 이해하고 능숙하게 사용할 수 있다</a:t>
+            </a:r>
+            <a:endParaRPr lang="en-US" altLang="ko-KR" sz="1600" dirty="0" smtClean="0"/>
+          </a:p>
+          <a:p>
+            <a:pPr fontAlgn="base"/>
+            <a:endParaRPr lang="en-US" altLang="ko-KR" sz="2000" dirty="0"/>
+          </a:p>
+          <a:p>
+            <a:pPr fontAlgn="base"/>
+            <a:r>
+              <a:rPr lang="ko-KR" altLang="en-US" sz="2000" dirty="0" err="1" smtClean="0"/>
+              <a:t>파이썬</a:t>
+            </a:r>
+            <a:r>
+              <a:rPr lang="ko-KR" altLang="en-US" sz="2000" dirty="0" smtClean="0"/>
+              <a:t> 데이터분석 </a:t>
+            </a:r>
+            <a:r>
+              <a:rPr lang="en-US" altLang="ko-KR" sz="2000" dirty="0" smtClean="0"/>
+              <a:t>(2</a:t>
+            </a:r>
+            <a:r>
+              <a:rPr lang="ko-KR" altLang="en-US" sz="2000" dirty="0" smtClean="0"/>
+              <a:t>주</a:t>
+            </a:r>
+            <a:r>
+              <a:rPr lang="en-US" altLang="ko-KR" sz="2000" dirty="0" smtClean="0"/>
+              <a:t>)</a:t>
+            </a:r>
+          </a:p>
+          <a:p>
+            <a:pPr lvl="1" fontAlgn="base"/>
+            <a:r>
+              <a:rPr lang="ko-KR" altLang="en-US" sz="1600" dirty="0" smtClean="0"/>
+              <a:t>각종 데이터를 내 입맛에 맞게 가공하고 특성을 제대로 파악할 수 있다</a:t>
+            </a:r>
+            <a:endParaRPr lang="en-US" altLang="ko-KR" sz="1600" dirty="0" smtClean="0"/>
+          </a:p>
+          <a:p>
+            <a:pPr lvl="1" fontAlgn="base"/>
+            <a:r>
+              <a:rPr lang="en-US" altLang="ko-KR" sz="1600" dirty="0" err="1" smtClean="0"/>
+              <a:t>Numpy</a:t>
+            </a:r>
+            <a:r>
+              <a:rPr lang="en-US" altLang="ko-KR" sz="1600" dirty="0" smtClean="0"/>
+              <a:t>(</a:t>
+            </a:r>
+            <a:r>
+              <a:rPr lang="ko-KR" altLang="en-US" sz="1600" dirty="0" err="1" smtClean="0"/>
+              <a:t>수치분석</a:t>
+            </a:r>
+            <a:r>
+              <a:rPr lang="en-US" altLang="ko-KR" sz="1600" dirty="0" smtClean="0"/>
+              <a:t>), Pandas(</a:t>
+            </a:r>
+            <a:r>
+              <a:rPr lang="ko-KR" altLang="en-US" sz="1600" dirty="0" err="1" smtClean="0"/>
+              <a:t>데이터가공</a:t>
+            </a:r>
+            <a:r>
+              <a:rPr lang="en-US" altLang="ko-KR" sz="1600" dirty="0" smtClean="0"/>
+              <a:t>), </a:t>
+            </a:r>
+            <a:r>
+              <a:rPr lang="en-US" altLang="ko-KR" sz="1600" dirty="0" err="1" smtClean="0"/>
+              <a:t>Matplotlib</a:t>
+            </a:r>
+            <a:r>
+              <a:rPr lang="en-US" altLang="ko-KR" sz="1600" dirty="0" smtClean="0"/>
+              <a:t>(</a:t>
+            </a:r>
+            <a:r>
+              <a:rPr lang="ko-KR" altLang="en-US" sz="1600" dirty="0" smtClean="0"/>
+              <a:t>시각화</a:t>
+            </a:r>
+            <a:r>
+              <a:rPr lang="en-US" altLang="ko-KR" sz="1600" dirty="0" smtClean="0"/>
+              <a:t>)</a:t>
+            </a:r>
+          </a:p>
+          <a:p>
+            <a:pPr lvl="1" fontAlgn="base"/>
+            <a:endParaRPr lang="en-US" altLang="ko-KR" sz="1600" dirty="0"/>
+          </a:p>
+          <a:p>
+            <a:pPr fontAlgn="base"/>
+            <a:r>
+              <a:rPr lang="ko-KR" altLang="en-US" sz="2000" dirty="0" err="1" smtClean="0"/>
+              <a:t>머신러닝과</a:t>
+            </a:r>
+            <a:r>
+              <a:rPr lang="ko-KR" altLang="en-US" sz="2000" dirty="0" smtClean="0"/>
+              <a:t> 신경망 </a:t>
             </a:r>
             <a:r>
               <a:rPr lang="en-US" altLang="ko-KR" sz="2000" smtClean="0"/>
@@ -4060,138 +4179,61 @@
               <a:t>주</a:t>
             </a:r>
             <a:r>
-              <a:rPr lang="en-US" altLang="ko-KR" sz="2000" smtClean="0"/>
+              <a:rPr lang="en-US" altLang="ko-KR" sz="2000" dirty="0" smtClean="0"/>
               <a:t>)</a:t>
             </a:r>
           </a:p>
           <a:p>
             <a:pPr lvl="1" fontAlgn="base"/>
             <a:r>
-              <a:rPr lang="ko-KR" altLang="en-US" sz="1600" smtClean="0"/>
-              <a:t>파이썬 문법을 이해하고 능숙하게 사용할 수 있다</a:t>
-            </a:r>
-            <a:endParaRPr lang="en-US" altLang="ko-KR" sz="1600" smtClean="0"/>
-          </a:p>
-          <a:p>
-            <a:pPr fontAlgn="base"/>
-            <a:endParaRPr lang="en-US" altLang="ko-KR" sz="2000"/>
-          </a:p>
-          <a:p>
-            <a:pPr fontAlgn="base"/>
-            <a:r>
-              <a:rPr lang="ko-KR" altLang="en-US" sz="2000" smtClean="0"/>
-              <a:t>파이썬 데이터분석 </a:t>
-            </a:r>
-            <a:r>
-              <a:rPr lang="en-US" altLang="ko-KR" sz="2000" smtClean="0"/>
-              <a:t>(1</a:t>
-            </a:r>
-            <a:r>
-              <a:rPr lang="ko-KR" altLang="en-US" sz="2000" smtClean="0"/>
-              <a:t>주</a:t>
-            </a:r>
-            <a:r>
-              <a:rPr lang="en-US" altLang="ko-KR" sz="2000" smtClean="0"/>
-              <a:t>)</a:t>
-            </a:r>
+              <a:rPr lang="ko-KR" altLang="en-US" sz="1600" dirty="0" err="1" smtClean="0"/>
+              <a:t>딥러닝</a:t>
+            </a:r>
+            <a:r>
+              <a:rPr lang="ko-KR" altLang="en-US" sz="1600" dirty="0" smtClean="0"/>
+              <a:t> 이해를 위한 기본인 </a:t>
+            </a:r>
+            <a:r>
+              <a:rPr lang="ko-KR" altLang="en-US" sz="1600" dirty="0" err="1" smtClean="0"/>
+              <a:t>머신러닝과</a:t>
+            </a:r>
+            <a:r>
+              <a:rPr lang="ko-KR" altLang="en-US" sz="1600" dirty="0" smtClean="0"/>
+              <a:t> 신경망 개념을 이해하고 </a:t>
+            </a:r>
+            <a:r>
+              <a:rPr lang="ko-KR" altLang="en-US" sz="1600" dirty="0" err="1" smtClean="0"/>
+              <a:t>딥러닝</a:t>
+            </a:r>
+            <a:r>
+              <a:rPr lang="ko-KR" altLang="en-US" sz="1600" dirty="0" smtClean="0"/>
+              <a:t> 학습을 위한 기초를 확실히 쌓을 수 있다</a:t>
+            </a:r>
+            <a:endParaRPr lang="en-US" altLang="ko-KR" sz="1600" dirty="0" smtClean="0"/>
           </a:p>
           <a:p>
             <a:pPr lvl="1" fontAlgn="base"/>
             <a:r>
-              <a:rPr lang="ko-KR" altLang="en-US" sz="1600" smtClean="0"/>
-              <a:t>각종 데이터를 내 입맛에 맞게 가공하고 특성을 제대로 파악할 수 있다</a:t>
-            </a:r>
-            <a:endParaRPr lang="en-US" altLang="ko-KR" sz="1600" smtClean="0"/>
-          </a:p>
-          <a:p>
-            <a:pPr lvl="1" fontAlgn="base"/>
-            <a:r>
-              <a:rPr lang="en-US" altLang="ko-KR" sz="1600" smtClean="0"/>
-              <a:t>Numpy(</a:t>
-            </a:r>
-            <a:r>
-              <a:rPr lang="ko-KR" altLang="en-US" sz="1600" smtClean="0"/>
-              <a:t>수치분석</a:t>
-            </a:r>
-            <a:r>
-              <a:rPr lang="en-US" altLang="ko-KR" sz="1600" smtClean="0"/>
-              <a:t>), Pandas(</a:t>
-            </a:r>
-            <a:r>
-              <a:rPr lang="ko-KR" altLang="en-US" sz="1600" smtClean="0"/>
-              <a:t>데이터가공</a:t>
-            </a:r>
-            <a:r>
-              <a:rPr lang="en-US" altLang="ko-KR" sz="1600" smtClean="0"/>
-              <a:t>), Matplotlib(</a:t>
-            </a:r>
-            <a:r>
-              <a:rPr lang="ko-KR" altLang="en-US" sz="1600" smtClean="0"/>
-              <a:t>시각화</a:t>
-            </a:r>
-            <a:r>
-              <a:rPr lang="en-US" altLang="ko-KR" sz="1600" smtClean="0"/>
-              <a:t>)</a:t>
-            </a:r>
-          </a:p>
-          <a:p>
-            <a:pPr lvl="1" fontAlgn="base"/>
-            <a:endParaRPr lang="en-US" altLang="ko-KR" sz="1600"/>
-          </a:p>
-          <a:p>
-            <a:pPr fontAlgn="base"/>
-            <a:r>
-              <a:rPr lang="ko-KR" altLang="en-US" sz="2000" smtClean="0"/>
-              <a:t>머신러닝과 신경망 </a:t>
-            </a:r>
-            <a:r>
-              <a:rPr lang="en-US" altLang="ko-KR" sz="2000" smtClean="0"/>
-              <a:t>(2</a:t>
-            </a:r>
-            <a:r>
-              <a:rPr lang="ko-KR" altLang="en-US" sz="2000" smtClean="0"/>
-              <a:t>주</a:t>
-            </a:r>
-            <a:r>
-              <a:rPr lang="en-US" altLang="ko-KR" sz="2000" smtClean="0"/>
-              <a:t>)</a:t>
-            </a:r>
-          </a:p>
-          <a:p>
-            <a:pPr lvl="1" fontAlgn="base"/>
-            <a:r>
-              <a:rPr lang="ko-KR" altLang="en-US" sz="1600" smtClean="0"/>
-              <a:t>딥러닝 이해를 위한 기본인 </a:t>
-            </a:r>
-            <a:r>
-              <a:rPr lang="ko-KR" altLang="en-US" sz="1600" smtClean="0"/>
-              <a:t>머신러닝과 신경망 </a:t>
-            </a:r>
-            <a:r>
-              <a:rPr lang="ko-KR" altLang="en-US" sz="1600" smtClean="0"/>
-              <a:t>개념을 이해하고 </a:t>
-            </a:r>
-            <a:r>
-              <a:rPr lang="ko-KR" altLang="en-US" sz="1600" smtClean="0"/>
-              <a:t>딥러닝 </a:t>
-            </a:r>
-            <a:r>
-              <a:rPr lang="ko-KR" altLang="en-US" sz="1600" smtClean="0"/>
-              <a:t>학습을 위한 기초를 확실히 쌓을 수 있다</a:t>
-            </a:r>
-            <a:endParaRPr lang="en-US" altLang="ko-KR" sz="1600" smtClean="0"/>
-          </a:p>
-          <a:p>
-            <a:pPr lvl="1" fontAlgn="base"/>
-            <a:r>
-              <a:rPr lang="en-US" altLang="ko-KR" sz="1600" smtClean="0"/>
-              <a:t>Scikit-learn, tensorflow</a:t>
-            </a:r>
-            <a:r>
-              <a:rPr lang="en-US" altLang="ko-KR" sz="1600" smtClean="0"/>
-              <a:t>, keras</a:t>
-            </a:r>
-            <a:endParaRPr lang="ko-KR" altLang="en-US" sz="1600"/>
+              <a:rPr lang="en-US" altLang="ko-KR" sz="1600" dirty="0" err="1" smtClean="0"/>
+              <a:t>Scikit</a:t>
+            </a:r>
+            <a:r>
+              <a:rPr lang="en-US" altLang="ko-KR" sz="1600" dirty="0" smtClean="0"/>
+              <a:t>-learn, </a:t>
+            </a:r>
+            <a:r>
+              <a:rPr lang="en-US" altLang="ko-KR" sz="1600" dirty="0" err="1" smtClean="0"/>
+              <a:t>tensorflow</a:t>
+            </a:r>
+            <a:r>
+              <a:rPr lang="en-US" altLang="ko-KR" sz="1600" dirty="0" smtClean="0"/>
+              <a:t>, </a:t>
+            </a:r>
+            <a:r>
+              <a:rPr lang="en-US" altLang="ko-KR" sz="1600" dirty="0" err="1" smtClean="0"/>
+              <a:t>keras</a:t>
+            </a:r>
+            <a:endParaRPr lang="ko-KR" altLang="en-US" sz="1600" dirty="0"/>
           </a:p>
         </p:txBody>
       </p:sp>
@@ -4407,11 +4449,6 @@
               </a:rPr>
               <a:t>석</a:t>
             </a:r>
-            <a:endParaRPr lang="ko-KR" altLang="en-US">
-              <a:solidFill>
-                <a:schemeClr val="tx1"/>
-              </a:solidFill>
-            </a:endParaRPr>
           </a:p>
         </p:txBody>
       </p:sp>
